--- a/pslides/02_grammar_of_graphics.pptx
+++ b/pslides/02_grammar_of_graphics.pptx
@@ -206,7 +206,7 @@
           <a:p>
             <a:fld id="{157A7279-E60E-0F4B-A492-5BF69316071C}" type="datetimeFigureOut">
               <a:rPr lang="fr-FR" smtClean="0"/>
-              <a:t>28/08/2022</a:t>
+              <a:t>26/11/2023</a:t>
             </a:fld>
             <a:endParaRPr lang="fr-FR"/>
           </a:p>
@@ -364,7 +364,7 @@
           <a:p>
             <a:fld id="{BCB3A460-0244-0A48-960D-03CDE98D2AF9}" type="slidenum">
               <a:rPr lang="fr-FR" smtClean="0"/>
-              <a:t>‹#›</a:t>
+              <a:t>‹N°›</a:t>
             </a:fld>
             <a:endParaRPr lang="fr-FR"/>
           </a:p>
@@ -620,7 +620,7 @@
           <a:p>
             <a:fld id="{7B9169B0-A344-9A43-AAD5-682508993835}" type="datetimeFigureOut">
               <a:rPr lang="fr-FR" smtClean="0"/>
-              <a:t>28/08/2022</a:t>
+              <a:t>26/11/2023</a:t>
             </a:fld>
             <a:endParaRPr lang="fr-FR"/>
           </a:p>
@@ -674,7 +674,7 @@
           <a:p>
             <a:fld id="{32AB45CD-FBC7-AD46-884B-BD8C98FD575D}" type="slidenum">
               <a:rPr lang="fr-FR" smtClean="0"/>
-              <a:t>‹#›</a:t>
+              <a:t>‹N°›</a:t>
             </a:fld>
             <a:endParaRPr lang="fr-FR"/>
           </a:p>
@@ -818,7 +818,7 @@
           <a:p>
             <a:fld id="{7B9169B0-A344-9A43-AAD5-682508993835}" type="datetimeFigureOut">
               <a:rPr lang="fr-FR" smtClean="0"/>
-              <a:t>28/08/2022</a:t>
+              <a:t>26/11/2023</a:t>
             </a:fld>
             <a:endParaRPr lang="fr-FR"/>
           </a:p>
@@ -872,7 +872,7 @@
           <a:p>
             <a:fld id="{32AB45CD-FBC7-AD46-884B-BD8C98FD575D}" type="slidenum">
               <a:rPr lang="fr-FR" smtClean="0"/>
-              <a:t>‹#›</a:t>
+              <a:t>‹N°›</a:t>
             </a:fld>
             <a:endParaRPr lang="fr-FR"/>
           </a:p>
@@ -1026,7 +1026,7 @@
           <a:p>
             <a:fld id="{7B9169B0-A344-9A43-AAD5-682508993835}" type="datetimeFigureOut">
               <a:rPr lang="fr-FR" smtClean="0"/>
-              <a:t>28/08/2022</a:t>
+              <a:t>26/11/2023</a:t>
             </a:fld>
             <a:endParaRPr lang="fr-FR"/>
           </a:p>
@@ -1080,7 +1080,7 @@
           <a:p>
             <a:fld id="{32AB45CD-FBC7-AD46-884B-BD8C98FD575D}" type="slidenum">
               <a:rPr lang="fr-FR" smtClean="0"/>
-              <a:t>‹#›</a:t>
+              <a:t>‹N°›</a:t>
             </a:fld>
             <a:endParaRPr lang="fr-FR"/>
           </a:p>
@@ -1224,7 +1224,7 @@
           <a:p>
             <a:fld id="{7B9169B0-A344-9A43-AAD5-682508993835}" type="datetimeFigureOut">
               <a:rPr lang="fr-FR" smtClean="0"/>
-              <a:t>28/08/2022</a:t>
+              <a:t>26/11/2023</a:t>
             </a:fld>
             <a:endParaRPr lang="fr-FR"/>
           </a:p>
@@ -1278,7 +1278,7 @@
           <a:p>
             <a:fld id="{32AB45CD-FBC7-AD46-884B-BD8C98FD575D}" type="slidenum">
               <a:rPr lang="fr-FR" smtClean="0"/>
-              <a:t>‹#›</a:t>
+              <a:t>‹N°›</a:t>
             </a:fld>
             <a:endParaRPr lang="fr-FR"/>
           </a:p>
@@ -1499,7 +1499,7 @@
           <a:p>
             <a:fld id="{7B9169B0-A344-9A43-AAD5-682508993835}" type="datetimeFigureOut">
               <a:rPr lang="fr-FR" smtClean="0"/>
-              <a:t>28/08/2022</a:t>
+              <a:t>26/11/2023</a:t>
             </a:fld>
             <a:endParaRPr lang="fr-FR"/>
           </a:p>
@@ -1553,7 +1553,7 @@
           <a:p>
             <a:fld id="{32AB45CD-FBC7-AD46-884B-BD8C98FD575D}" type="slidenum">
               <a:rPr lang="fr-FR" smtClean="0"/>
-              <a:t>‹#›</a:t>
+              <a:t>‹N°›</a:t>
             </a:fld>
             <a:endParaRPr lang="fr-FR"/>
           </a:p>
@@ -1764,7 +1764,7 @@
           <a:p>
             <a:fld id="{7B9169B0-A344-9A43-AAD5-682508993835}" type="datetimeFigureOut">
               <a:rPr lang="fr-FR" smtClean="0"/>
-              <a:t>28/08/2022</a:t>
+              <a:t>26/11/2023</a:t>
             </a:fld>
             <a:endParaRPr lang="fr-FR"/>
           </a:p>
@@ -1818,7 +1818,7 @@
           <a:p>
             <a:fld id="{32AB45CD-FBC7-AD46-884B-BD8C98FD575D}" type="slidenum">
               <a:rPr lang="fr-FR" smtClean="0"/>
-              <a:t>‹#›</a:t>
+              <a:t>‹N°›</a:t>
             </a:fld>
             <a:endParaRPr lang="fr-FR"/>
           </a:p>
@@ -2176,7 +2176,7 @@
           <a:p>
             <a:fld id="{7B9169B0-A344-9A43-AAD5-682508993835}" type="datetimeFigureOut">
               <a:rPr lang="fr-FR" smtClean="0"/>
-              <a:t>28/08/2022</a:t>
+              <a:t>26/11/2023</a:t>
             </a:fld>
             <a:endParaRPr lang="fr-FR"/>
           </a:p>
@@ -2230,7 +2230,7 @@
           <a:p>
             <a:fld id="{32AB45CD-FBC7-AD46-884B-BD8C98FD575D}" type="slidenum">
               <a:rPr lang="fr-FR" smtClean="0"/>
-              <a:t>‹#›</a:t>
+              <a:t>‹N°›</a:t>
             </a:fld>
             <a:endParaRPr lang="fr-FR"/>
           </a:p>
@@ -2317,7 +2317,7 @@
           <a:p>
             <a:fld id="{7B9169B0-A344-9A43-AAD5-682508993835}" type="datetimeFigureOut">
               <a:rPr lang="fr-FR" smtClean="0"/>
-              <a:t>28/08/2022</a:t>
+              <a:t>26/11/2023</a:t>
             </a:fld>
             <a:endParaRPr lang="fr-FR"/>
           </a:p>
@@ -2371,7 +2371,7 @@
           <a:p>
             <a:fld id="{32AB45CD-FBC7-AD46-884B-BD8C98FD575D}" type="slidenum">
               <a:rPr lang="fr-FR" smtClean="0"/>
-              <a:t>‹#›</a:t>
+              <a:t>‹N°›</a:t>
             </a:fld>
             <a:endParaRPr lang="fr-FR"/>
           </a:p>
@@ -2430,7 +2430,7 @@
           <a:p>
             <a:fld id="{7B9169B0-A344-9A43-AAD5-682508993835}" type="datetimeFigureOut">
               <a:rPr lang="fr-FR" smtClean="0"/>
-              <a:t>28/08/2022</a:t>
+              <a:t>26/11/2023</a:t>
             </a:fld>
             <a:endParaRPr lang="fr-FR"/>
           </a:p>
@@ -2484,7 +2484,7 @@
           <a:p>
             <a:fld id="{32AB45CD-FBC7-AD46-884B-BD8C98FD575D}" type="slidenum">
               <a:rPr lang="fr-FR" smtClean="0"/>
-              <a:t>‹#›</a:t>
+              <a:t>‹N°›</a:t>
             </a:fld>
             <a:endParaRPr lang="fr-FR"/>
           </a:p>
@@ -2741,7 +2741,7 @@
           <a:p>
             <a:fld id="{7B9169B0-A344-9A43-AAD5-682508993835}" type="datetimeFigureOut">
               <a:rPr lang="fr-FR" smtClean="0"/>
-              <a:t>28/08/2022</a:t>
+              <a:t>26/11/2023</a:t>
             </a:fld>
             <a:endParaRPr lang="fr-FR"/>
           </a:p>
@@ -2795,7 +2795,7 @@
           <a:p>
             <a:fld id="{32AB45CD-FBC7-AD46-884B-BD8C98FD575D}" type="slidenum">
               <a:rPr lang="fr-FR" smtClean="0"/>
-              <a:t>‹#›</a:t>
+              <a:t>‹N°›</a:t>
             </a:fld>
             <a:endParaRPr lang="fr-FR"/>
           </a:p>
@@ -3029,7 +3029,7 @@
           <a:p>
             <a:fld id="{7B9169B0-A344-9A43-AAD5-682508993835}" type="datetimeFigureOut">
               <a:rPr lang="fr-FR" smtClean="0"/>
-              <a:t>28/08/2022</a:t>
+              <a:t>26/11/2023</a:t>
             </a:fld>
             <a:endParaRPr lang="fr-FR"/>
           </a:p>
@@ -3083,7 +3083,7 @@
           <a:p>
             <a:fld id="{32AB45CD-FBC7-AD46-884B-BD8C98FD575D}" type="slidenum">
               <a:rPr lang="fr-FR" smtClean="0"/>
-              <a:t>‹#›</a:t>
+              <a:t>‹N°›</a:t>
             </a:fld>
             <a:endParaRPr lang="fr-FR"/>
           </a:p>
@@ -3270,7 +3270,7 @@
           <a:p>
             <a:fld id="{7B9169B0-A344-9A43-AAD5-682508993835}" type="datetimeFigureOut">
               <a:rPr lang="fr-FR" smtClean="0"/>
-              <a:t>28/08/2022</a:t>
+              <a:t>26/11/2023</a:t>
             </a:fld>
             <a:endParaRPr lang="fr-FR"/>
           </a:p>
@@ -3360,7 +3360,7 @@
           <a:p>
             <a:fld id="{32AB45CD-FBC7-AD46-884B-BD8C98FD575D}" type="slidenum">
               <a:rPr lang="fr-FR" smtClean="0"/>
-              <a:t>‹#›</a:t>
+              <a:t>‹N°›</a:t>
             </a:fld>
             <a:endParaRPr lang="fr-FR"/>
           </a:p>
@@ -4001,7 +4001,7 @@
                   </a:schemeClr>
                 </a:solidFill>
               </a:rPr>
-              <a:t>food %&gt;%</a:t>
+              <a:t>food |&gt;</a:t>
             </a:r>
           </a:p>
           <a:p>
@@ -6051,7 +6051,7 @@
                   </a:schemeClr>
                 </a:solidFill>
               </a:rPr>
-              <a:t>food %&gt;%</a:t>
+              <a:t>food |&gt;</a:t>
             </a:r>
           </a:p>
           <a:p>
@@ -6246,7 +6246,7 @@
                   </a:schemeClr>
                 </a:solidFill>
               </a:rPr>
-              <a:t>food %&gt;%</a:t>
+              <a:t>food |&gt;</a:t>
             </a:r>
           </a:p>
           <a:p>
